--- a/day2_22_9_25/day2_22_9_25.pptx
+++ b/day2_22_9_25/day2_22_9_25.pptx
@@ -3377,6 +3377,45 @@
           </a:prstGeom>
         </p:spPr>
       </p:pic>
+      <p:sp>
+        <p:nvSpPr>
+          <p:cNvPr id="6" name="TextBox 5">
+            <a:extLst>
+              <a:ext uri="{FF2B5EF4-FFF2-40B4-BE49-F238E27FC236}">
+                <a16:creationId xmlns:a16="http://schemas.microsoft.com/office/drawing/2014/main" id="{3A927AAB-F839-2B9F-273F-64C31AA4566C}"/>
+              </a:ext>
+            </a:extLst>
+          </p:cNvPr>
+          <p:cNvSpPr txBox="1"/>
+          <p:nvPr/>
+        </p:nvSpPr>
+        <p:spPr>
+          <a:xfrm>
+            <a:off x="755374" y="397565"/>
+            <a:ext cx="8332967" cy="369332"/>
+          </a:xfrm>
+          <a:prstGeom prst="rect">
+            <a:avLst/>
+          </a:prstGeom>
+          <a:noFill/>
+        </p:spPr>
+        <p:txBody>
+          <a:bodyPr wrap="square" rtlCol="0">
+            <a:spAutoFit/>
+          </a:bodyPr>
+          <a:lstStyle/>
+          <a:p>
+            <a:r>
+              <a:rPr lang="en-IN" dirty="0"/>
+              <a:t>Ex1: Create tables  and  populate some data as </a:t>
+            </a:r>
+            <a:r>
+              <a:rPr lang="en-IN"/>
+              <a:t>per the ERD below</a:t>
+            </a:r>
+          </a:p>
+        </p:txBody>
+      </p:sp>
     </p:spTree>
     <p:extLst>
       <p:ext uri="{BB962C8B-B14F-4D97-AF65-F5344CB8AC3E}">

--- a/day2_22_9_25/day2_22_9_25.pptx
+++ b/day2_22_9_25/day2_22_9_25.pptx
@@ -6,6 +6,9 @@
   </p:sldMasterIdLst>
   <p:sldIdLst>
     <p:sldId id="256" r:id="rId2"/>
+    <p:sldId id="257" r:id="rId3"/>
+    <p:sldId id="259" r:id="rId4"/>
+    <p:sldId id="258" r:id="rId5"/>
   </p:sldIdLst>
   <p:sldSz cx="12192000" cy="6858000"/>
   <p:notesSz cx="6858000" cy="9144000"/>
@@ -3407,11 +3410,7 @@
           <a:p>
             <a:r>
               <a:rPr lang="en-IN" dirty="0"/>
-              <a:t>Ex1: Create tables  and  populate some data as </a:t>
-            </a:r>
-            <a:r>
-              <a:rPr lang="en-IN"/>
-              <a:t>per the ERD below</a:t>
+              <a:t>Ex1: Create tables  and  populate some data as per the ERD below</a:t>
             </a:r>
           </a:p>
         </p:txBody>
@@ -3420,6 +3419,326 @@
     <p:extLst>
       <p:ext uri="{BB962C8B-B14F-4D97-AF65-F5344CB8AC3E}">
         <p14:creationId xmlns:p14="http://schemas.microsoft.com/office/powerpoint/2010/main" val="3936547927"/>
+      </p:ext>
+    </p:extLst>
+  </p:cSld>
+  <p:clrMapOvr>
+    <a:masterClrMapping/>
+  </p:clrMapOvr>
+</p:sld>
+</file>
+
+<file path=ppt/slides/slide2.xml><?xml version="1.0" encoding="utf-8"?>
+<p:sld xmlns:a="http://schemas.openxmlformats.org/drawingml/2006/main" xmlns:r="http://schemas.openxmlformats.org/officeDocument/2006/relationships" xmlns:p="http://schemas.openxmlformats.org/presentationml/2006/main">
+  <p:cSld>
+    <p:spTree>
+      <p:nvGrpSpPr>
+        <p:cNvPr id="1" name=""/>
+        <p:cNvGrpSpPr/>
+        <p:nvPr/>
+      </p:nvGrpSpPr>
+      <p:grpSpPr>
+        <a:xfrm>
+          <a:off x="0" y="0"/>
+          <a:ext cx="0" cy="0"/>
+          <a:chOff x="0" y="0"/>
+          <a:chExt cx="0" cy="0"/>
+        </a:xfrm>
+      </p:grpSpPr>
+      <p:pic>
+        <p:nvPicPr>
+          <p:cNvPr id="3" name="Picture 2">
+            <a:extLst>
+              <a:ext uri="{FF2B5EF4-FFF2-40B4-BE49-F238E27FC236}">
+                <a16:creationId xmlns:a16="http://schemas.microsoft.com/office/drawing/2014/main" id="{6FFB1B63-25EB-4998-6345-6A19E6DF36DC}"/>
+              </a:ext>
+            </a:extLst>
+          </p:cNvPr>
+          <p:cNvPicPr>
+            <a:picLocks noChangeAspect="1"/>
+          </p:cNvPicPr>
+          <p:nvPr/>
+        </p:nvPicPr>
+        <p:blipFill>
+          <a:blip r:embed="rId2"/>
+          <a:stretch>
+            <a:fillRect/>
+          </a:stretch>
+        </p:blipFill>
+        <p:spPr>
+          <a:xfrm>
+            <a:off x="1592189" y="376925"/>
+            <a:ext cx="9007621" cy="6104149"/>
+          </a:xfrm>
+          <a:prstGeom prst="rect">
+            <a:avLst/>
+          </a:prstGeom>
+        </p:spPr>
+      </p:pic>
+    </p:spTree>
+    <p:extLst>
+      <p:ext uri="{BB962C8B-B14F-4D97-AF65-F5344CB8AC3E}">
+        <p14:creationId xmlns:p14="http://schemas.microsoft.com/office/powerpoint/2010/main" val="1604685417"/>
+      </p:ext>
+    </p:extLst>
+  </p:cSld>
+  <p:clrMapOvr>
+    <a:masterClrMapping/>
+  </p:clrMapOvr>
+</p:sld>
+</file>
+
+<file path=ppt/slides/slide3.xml><?xml version="1.0" encoding="utf-8"?>
+<p:sld xmlns:a="http://schemas.openxmlformats.org/drawingml/2006/main" xmlns:r="http://schemas.openxmlformats.org/officeDocument/2006/relationships" xmlns:p="http://schemas.openxmlformats.org/presentationml/2006/main">
+  <p:cSld>
+    <p:spTree>
+      <p:nvGrpSpPr>
+        <p:cNvPr id="1" name=""/>
+        <p:cNvGrpSpPr/>
+        <p:nvPr/>
+      </p:nvGrpSpPr>
+      <p:grpSpPr>
+        <a:xfrm>
+          <a:off x="0" y="0"/>
+          <a:ext cx="0" cy="0"/>
+          <a:chOff x="0" y="0"/>
+          <a:chExt cx="0" cy="0"/>
+        </a:xfrm>
+      </p:grpSpPr>
+      <p:sp>
+        <p:nvSpPr>
+          <p:cNvPr id="2" name="TextBox 1">
+            <a:extLst>
+              <a:ext uri="{FF2B5EF4-FFF2-40B4-BE49-F238E27FC236}">
+                <a16:creationId xmlns:a16="http://schemas.microsoft.com/office/drawing/2014/main" id="{6C23D686-C1F8-D7DC-F6BE-CFFD8A2C7764}"/>
+              </a:ext>
+            </a:extLst>
+          </p:cNvPr>
+          <p:cNvSpPr txBox="1"/>
+          <p:nvPr/>
+        </p:nvSpPr>
+        <p:spPr>
+          <a:xfrm>
+            <a:off x="922351" y="159026"/>
+            <a:ext cx="10360550" cy="3139321"/>
+          </a:xfrm>
+          <a:prstGeom prst="rect">
+            <a:avLst/>
+          </a:prstGeom>
+          <a:noFill/>
+        </p:spPr>
+        <p:txBody>
+          <a:bodyPr wrap="square" rtlCol="0">
+            <a:spAutoFit/>
+          </a:bodyPr>
+          <a:lstStyle/>
+          <a:p>
+            <a:r>
+              <a:rPr lang="en-US" dirty="0"/>
+              <a:t>create schema </a:t>
+            </a:r>
+            <a:r>
+              <a:rPr lang="en-US" dirty="0" err="1"/>
+              <a:t>sqlpractice</a:t>
+            </a:r>
+            <a:r>
+              <a:rPr lang="en-US" dirty="0"/>
+              <a:t>;</a:t>
+            </a:r>
+          </a:p>
+          <a:p>
+            <a:endParaRPr lang="en-US" dirty="0"/>
+          </a:p>
+          <a:p>
+            <a:r>
+              <a:rPr lang="en-US" dirty="0"/>
+              <a:t>set </a:t>
+            </a:r>
+            <a:r>
+              <a:rPr lang="en-US" dirty="0" err="1"/>
+              <a:t>search_path</a:t>
+            </a:r>
+            <a:r>
+              <a:rPr lang="en-US" dirty="0"/>
+              <a:t> to </a:t>
+            </a:r>
+            <a:r>
+              <a:rPr lang="en-US" dirty="0" err="1"/>
+              <a:t>sqlpractice</a:t>
+            </a:r>
+            <a:r>
+              <a:rPr lang="en-US" dirty="0"/>
+              <a:t>;</a:t>
+            </a:r>
+          </a:p>
+          <a:p>
+            <a:endParaRPr lang="en-US" dirty="0"/>
+          </a:p>
+          <a:p>
+            <a:r>
+              <a:rPr lang="en-IN" dirty="0"/>
+              <a:t>create table department(	id serial primary key,	</a:t>
+            </a:r>
+            <a:r>
+              <a:rPr lang="en-IN" dirty="0" err="1"/>
+              <a:t>dept_code</a:t>
+            </a:r>
+            <a:r>
+              <a:rPr lang="en-IN" dirty="0"/>
+              <a:t> varchar(10),	</a:t>
+            </a:r>
+            <a:r>
+              <a:rPr lang="en-IN" dirty="0" err="1"/>
+              <a:t>dept_desc</a:t>
+            </a:r>
+            <a:r>
+              <a:rPr lang="en-IN" dirty="0"/>
+              <a:t> varchar(50)	</a:t>
+            </a:r>
+          </a:p>
+          <a:p>
+            <a:r>
+              <a:rPr lang="en-IN" dirty="0"/>
+              <a:t>)</a:t>
+            </a:r>
+          </a:p>
+          <a:p>
+            <a:r>
+              <a:rPr lang="en-IN" dirty="0"/>
+              <a:t>create table employee(id serial primary key,</a:t>
+            </a:r>
+          </a:p>
+          <a:p>
+            <a:r>
+              <a:rPr lang="en-IN" dirty="0"/>
+              <a:t>	</a:t>
+            </a:r>
+            <a:r>
+              <a:rPr lang="en-IN" dirty="0" err="1"/>
+              <a:t>emp_code</a:t>
+            </a:r>
+            <a:r>
+              <a:rPr lang="en-IN" dirty="0"/>
+              <a:t> varchar(10),	</a:t>
+            </a:r>
+          </a:p>
+          <a:p>
+            <a:r>
+              <a:rPr lang="en-IN" dirty="0" err="1"/>
+              <a:t>emp_name</a:t>
+            </a:r>
+            <a:r>
+              <a:rPr lang="en-IN" dirty="0"/>
+              <a:t> varchar(50),</a:t>
+            </a:r>
+            <a:r>
+              <a:rPr lang="en-IN"/>
+              <a:t>	</a:t>
+            </a:r>
+          </a:p>
+          <a:p>
+            <a:r>
+              <a:rPr lang="en-IN"/>
+              <a:t>department</a:t>
+            </a:r>
+            <a:r>
+              <a:rPr lang="en-IN" dirty="0" err="1"/>
+              <a:t>_id</a:t>
+            </a:r>
+            <a:r>
+              <a:rPr lang="en-IN" dirty="0"/>
+              <a:t> int references  department(id) 	)</a:t>
+            </a:r>
+          </a:p>
+        </p:txBody>
+      </p:sp>
+    </p:spTree>
+    <p:extLst>
+      <p:ext uri="{BB962C8B-B14F-4D97-AF65-F5344CB8AC3E}">
+        <p14:creationId xmlns:p14="http://schemas.microsoft.com/office/powerpoint/2010/main" val="1140096561"/>
+      </p:ext>
+    </p:extLst>
+  </p:cSld>
+  <p:clrMapOvr>
+    <a:masterClrMapping/>
+  </p:clrMapOvr>
+</p:sld>
+</file>
+
+<file path=ppt/slides/slide4.xml><?xml version="1.0" encoding="utf-8"?>
+<p:sld xmlns:a="http://schemas.openxmlformats.org/drawingml/2006/main" xmlns:r="http://schemas.openxmlformats.org/officeDocument/2006/relationships" xmlns:p="http://schemas.openxmlformats.org/presentationml/2006/main">
+  <p:cSld>
+    <p:spTree>
+      <p:nvGrpSpPr>
+        <p:cNvPr id="1" name=""/>
+        <p:cNvGrpSpPr/>
+        <p:nvPr/>
+      </p:nvGrpSpPr>
+      <p:grpSpPr>
+        <a:xfrm>
+          <a:off x="0" y="0"/>
+          <a:ext cx="0" cy="0"/>
+          <a:chOff x="0" y="0"/>
+          <a:chExt cx="0" cy="0"/>
+        </a:xfrm>
+      </p:grpSpPr>
+      <p:sp>
+        <p:nvSpPr>
+          <p:cNvPr id="2" name="TextBox 1">
+            <a:extLst>
+              <a:ext uri="{FF2B5EF4-FFF2-40B4-BE49-F238E27FC236}">
+                <a16:creationId xmlns:a16="http://schemas.microsoft.com/office/drawing/2014/main" id="{5388E938-A1C5-D73E-919E-42B45DE9AF47}"/>
+              </a:ext>
+            </a:extLst>
+          </p:cNvPr>
+          <p:cNvSpPr txBox="1"/>
+          <p:nvPr/>
+        </p:nvSpPr>
+        <p:spPr>
+          <a:xfrm>
+            <a:off x="556591" y="278296"/>
+            <a:ext cx="10678602" cy="1477328"/>
+          </a:xfrm>
+          <a:prstGeom prst="rect">
+            <a:avLst/>
+          </a:prstGeom>
+          <a:noFill/>
+        </p:spPr>
+        <p:txBody>
+          <a:bodyPr wrap="square" rtlCol="0">
+            <a:spAutoFit/>
+          </a:bodyPr>
+          <a:lstStyle/>
+          <a:p>
+            <a:r>
+              <a:rPr lang="en-IN" dirty="0"/>
+              <a:t>Reference:</a:t>
+            </a:r>
+          </a:p>
+          <a:p>
+            <a:endParaRPr lang="en-IN" dirty="0"/>
+          </a:p>
+          <a:p>
+            <a:r>
+              <a:rPr lang="en-IN" dirty="0">
+                <a:hlinkClick r:id="rId2"/>
+              </a:rPr>
+              <a:t>https://github.com/pthom/northwind_psql</a:t>
+            </a:r>
+            <a:endParaRPr lang="en-IN" dirty="0"/>
+          </a:p>
+          <a:p>
+            <a:endParaRPr lang="en-IN" dirty="0"/>
+          </a:p>
+          <a:p>
+            <a:endParaRPr lang="en-IN" dirty="0"/>
+          </a:p>
+        </p:txBody>
+      </p:sp>
+    </p:spTree>
+    <p:extLst>
+      <p:ext uri="{BB962C8B-B14F-4D97-AF65-F5344CB8AC3E}">
+        <p14:creationId xmlns:p14="http://schemas.microsoft.com/office/powerpoint/2010/main" val="1630882325"/>
       </p:ext>
     </p:extLst>
   </p:cSld>

--- a/day2_22_9_25/day2_22_9_25.pptx
+++ b/day2_22_9_25/day2_22_9_25.pptx
@@ -8,7 +8,10 @@
     <p:sldId id="256" r:id="rId2"/>
     <p:sldId id="257" r:id="rId3"/>
     <p:sldId id="259" r:id="rId4"/>
-    <p:sldId id="258" r:id="rId5"/>
+    <p:sldId id="262" r:id="rId5"/>
+    <p:sldId id="260" r:id="rId6"/>
+    <p:sldId id="258" r:id="rId7"/>
+    <p:sldId id="261" r:id="rId8"/>
   </p:sldIdLst>
   <p:sldSz cx="12192000" cy="6858000"/>
   <p:notesSz cx="6858000" cy="9144000"/>
@@ -3629,21 +3632,13 @@
             </a:r>
             <a:r>
               <a:rPr lang="en-IN" dirty="0"/>
-              <a:t> varchar(50),</a:t>
-            </a:r>
-            <a:r>
-              <a:rPr lang="en-IN"/>
-              <a:t>	</a:t>
-            </a:r>
-          </a:p>
-          <a:p>
-            <a:r>
-              <a:rPr lang="en-IN"/>
-              <a:t>department</a:t>
-            </a:r>
+              <a:t> varchar(50),	</a:t>
+            </a:r>
+          </a:p>
+          <a:p>
             <a:r>
               <a:rPr lang="en-IN" dirty="0" err="1"/>
-              <a:t>_id</a:t>
+              <a:t>department_id</a:t>
             </a:r>
             <a:r>
               <a:rPr lang="en-IN" dirty="0"/>
@@ -3684,6 +3679,1025 @@
       </p:grpSpPr>
       <p:sp>
         <p:nvSpPr>
+          <p:cNvPr id="2" name="Oval 1">
+            <a:extLst>
+              <a:ext uri="{FF2B5EF4-FFF2-40B4-BE49-F238E27FC236}">
+                <a16:creationId xmlns:a16="http://schemas.microsoft.com/office/drawing/2014/main" id="{9CE19EBE-2624-83F9-50A4-BF9087CED8C5}"/>
+              </a:ext>
+            </a:extLst>
+          </p:cNvPr>
+          <p:cNvSpPr/>
+          <p:nvPr/>
+        </p:nvSpPr>
+        <p:spPr>
+          <a:xfrm>
+            <a:off x="1981200" y="688848"/>
+            <a:ext cx="999744" cy="1024128"/>
+          </a:xfrm>
+          <a:prstGeom prst="ellipse">
+            <a:avLst/>
+          </a:prstGeom>
+        </p:spPr>
+        <p:style>
+          <a:lnRef idx="2">
+            <a:schemeClr val="accent1">
+              <a:shade val="15000"/>
+            </a:schemeClr>
+          </a:lnRef>
+          <a:fillRef idx="1">
+            <a:schemeClr val="accent1"/>
+          </a:fillRef>
+          <a:effectRef idx="0">
+            <a:schemeClr val="accent1"/>
+          </a:effectRef>
+          <a:fontRef idx="minor">
+            <a:schemeClr val="lt1"/>
+          </a:fontRef>
+        </p:style>
+        <p:txBody>
+          <a:bodyPr rtlCol="0" anchor="ctr"/>
+          <a:lstStyle/>
+          <a:p>
+            <a:pPr algn="ctr"/>
+            <a:r>
+              <a:rPr lang="en-IN" dirty="0"/>
+              <a:t>A</a:t>
+            </a:r>
+          </a:p>
+        </p:txBody>
+      </p:sp>
+      <p:sp>
+        <p:nvSpPr>
+          <p:cNvPr id="3" name="Oval 2">
+            <a:extLst>
+              <a:ext uri="{FF2B5EF4-FFF2-40B4-BE49-F238E27FC236}">
+                <a16:creationId xmlns:a16="http://schemas.microsoft.com/office/drawing/2014/main" id="{15028FF4-ED80-B59D-F867-1646FB9D5FE5}"/>
+              </a:ext>
+            </a:extLst>
+          </p:cNvPr>
+          <p:cNvSpPr/>
+          <p:nvPr/>
+        </p:nvSpPr>
+        <p:spPr>
+          <a:xfrm>
+            <a:off x="2676144" y="688848"/>
+            <a:ext cx="999744" cy="1024128"/>
+          </a:xfrm>
+          <a:prstGeom prst="ellipse">
+            <a:avLst/>
+          </a:prstGeom>
+          <a:solidFill>
+            <a:srgbClr val="FFC000"/>
+          </a:solidFill>
+        </p:spPr>
+        <p:style>
+          <a:lnRef idx="2">
+            <a:schemeClr val="accent1">
+              <a:shade val="15000"/>
+            </a:schemeClr>
+          </a:lnRef>
+          <a:fillRef idx="1">
+            <a:schemeClr val="accent1"/>
+          </a:fillRef>
+          <a:effectRef idx="0">
+            <a:schemeClr val="accent1"/>
+          </a:effectRef>
+          <a:fontRef idx="minor">
+            <a:schemeClr val="lt1"/>
+          </a:fontRef>
+        </p:style>
+        <p:txBody>
+          <a:bodyPr rtlCol="0" anchor="ctr"/>
+          <a:lstStyle/>
+          <a:p>
+            <a:pPr algn="ctr"/>
+            <a:r>
+              <a:rPr lang="en-IN" dirty="0"/>
+              <a:t>B</a:t>
+            </a:r>
+          </a:p>
+        </p:txBody>
+      </p:sp>
+      <p:sp>
+        <p:nvSpPr>
+          <p:cNvPr id="4" name="Oval 3">
+            <a:extLst>
+              <a:ext uri="{FF2B5EF4-FFF2-40B4-BE49-F238E27FC236}">
+                <a16:creationId xmlns:a16="http://schemas.microsoft.com/office/drawing/2014/main" id="{28EF49C4-6344-15DD-0432-7C121A886D1F}"/>
+              </a:ext>
+            </a:extLst>
+          </p:cNvPr>
+          <p:cNvSpPr/>
+          <p:nvPr/>
+        </p:nvSpPr>
+        <p:spPr>
+          <a:xfrm>
+            <a:off x="2682240" y="810768"/>
+            <a:ext cx="298704" cy="786384"/>
+          </a:xfrm>
+          <a:prstGeom prst="ellipse">
+            <a:avLst/>
+          </a:prstGeom>
+          <a:solidFill>
+            <a:srgbClr val="00B050"/>
+          </a:solidFill>
+        </p:spPr>
+        <p:style>
+          <a:lnRef idx="2">
+            <a:schemeClr val="accent1">
+              <a:shade val="15000"/>
+            </a:schemeClr>
+          </a:lnRef>
+          <a:fillRef idx="1">
+            <a:schemeClr val="accent1"/>
+          </a:fillRef>
+          <a:effectRef idx="0">
+            <a:schemeClr val="accent1"/>
+          </a:effectRef>
+          <a:fontRef idx="minor">
+            <a:schemeClr val="lt1"/>
+          </a:fontRef>
+        </p:style>
+        <p:txBody>
+          <a:bodyPr rtlCol="0" anchor="ctr"/>
+          <a:lstStyle/>
+          <a:p>
+            <a:pPr algn="ctr"/>
+            <a:endParaRPr lang="en-IN" dirty="0">
+              <a:highlight>
+                <a:srgbClr val="FF00FF"/>
+              </a:highlight>
+            </a:endParaRPr>
+          </a:p>
+        </p:txBody>
+      </p:sp>
+      <p:sp>
+        <p:nvSpPr>
+          <p:cNvPr id="5" name="TextBox 4">
+            <a:extLst>
+              <a:ext uri="{FF2B5EF4-FFF2-40B4-BE49-F238E27FC236}">
+                <a16:creationId xmlns:a16="http://schemas.microsoft.com/office/drawing/2014/main" id="{D00EC4DC-797C-0CFC-7CEF-25B7DF2CBAD7}"/>
+              </a:ext>
+            </a:extLst>
+          </p:cNvPr>
+          <p:cNvSpPr txBox="1"/>
+          <p:nvPr/>
+        </p:nvSpPr>
+        <p:spPr>
+          <a:xfrm>
+            <a:off x="1981200" y="1914144"/>
+            <a:ext cx="2164080" cy="369332"/>
+          </a:xfrm>
+          <a:prstGeom prst="rect">
+            <a:avLst/>
+          </a:prstGeom>
+          <a:noFill/>
+        </p:spPr>
+        <p:txBody>
+          <a:bodyPr wrap="square" rtlCol="0">
+            <a:spAutoFit/>
+          </a:bodyPr>
+          <a:lstStyle/>
+          <a:p>
+            <a:r>
+              <a:rPr lang="en-IN" dirty="0"/>
+              <a:t>  Inner Join</a:t>
+            </a:r>
+          </a:p>
+        </p:txBody>
+      </p:sp>
+      <p:sp>
+        <p:nvSpPr>
+          <p:cNvPr id="6" name="Oval 5">
+            <a:extLst>
+              <a:ext uri="{FF2B5EF4-FFF2-40B4-BE49-F238E27FC236}">
+                <a16:creationId xmlns:a16="http://schemas.microsoft.com/office/drawing/2014/main" id="{3F616C79-2C14-803D-3E99-0B4AACBB6C4C}"/>
+              </a:ext>
+            </a:extLst>
+          </p:cNvPr>
+          <p:cNvSpPr/>
+          <p:nvPr/>
+        </p:nvSpPr>
+        <p:spPr>
+          <a:xfrm>
+            <a:off x="1975104" y="2682240"/>
+            <a:ext cx="999744" cy="1024128"/>
+          </a:xfrm>
+          <a:prstGeom prst="ellipse">
+            <a:avLst/>
+          </a:prstGeom>
+        </p:spPr>
+        <p:style>
+          <a:lnRef idx="2">
+            <a:schemeClr val="accent1">
+              <a:shade val="15000"/>
+            </a:schemeClr>
+          </a:lnRef>
+          <a:fillRef idx="1">
+            <a:schemeClr val="accent1"/>
+          </a:fillRef>
+          <a:effectRef idx="0">
+            <a:schemeClr val="accent1"/>
+          </a:effectRef>
+          <a:fontRef idx="minor">
+            <a:schemeClr val="lt1"/>
+          </a:fontRef>
+        </p:style>
+        <p:txBody>
+          <a:bodyPr rtlCol="0" anchor="ctr"/>
+          <a:lstStyle/>
+          <a:p>
+            <a:pPr algn="ctr"/>
+            <a:r>
+              <a:rPr lang="en-IN" dirty="0"/>
+              <a:t>A</a:t>
+            </a:r>
+          </a:p>
+        </p:txBody>
+      </p:sp>
+      <p:sp>
+        <p:nvSpPr>
+          <p:cNvPr id="7" name="Oval 6">
+            <a:extLst>
+              <a:ext uri="{FF2B5EF4-FFF2-40B4-BE49-F238E27FC236}">
+                <a16:creationId xmlns:a16="http://schemas.microsoft.com/office/drawing/2014/main" id="{B7EE0E31-4C21-11B0-D870-8F2992F0F593}"/>
+              </a:ext>
+            </a:extLst>
+          </p:cNvPr>
+          <p:cNvSpPr/>
+          <p:nvPr/>
+        </p:nvSpPr>
+        <p:spPr>
+          <a:xfrm>
+            <a:off x="2670048" y="2682240"/>
+            <a:ext cx="999744" cy="1024128"/>
+          </a:xfrm>
+          <a:prstGeom prst="ellipse">
+            <a:avLst/>
+          </a:prstGeom>
+          <a:solidFill>
+            <a:srgbClr val="FFC000"/>
+          </a:solidFill>
+        </p:spPr>
+        <p:style>
+          <a:lnRef idx="2">
+            <a:schemeClr val="accent1">
+              <a:shade val="15000"/>
+            </a:schemeClr>
+          </a:lnRef>
+          <a:fillRef idx="1">
+            <a:schemeClr val="accent1"/>
+          </a:fillRef>
+          <a:effectRef idx="0">
+            <a:schemeClr val="accent1"/>
+          </a:effectRef>
+          <a:fontRef idx="minor">
+            <a:schemeClr val="lt1"/>
+          </a:fontRef>
+        </p:style>
+        <p:txBody>
+          <a:bodyPr rtlCol="0" anchor="ctr"/>
+          <a:lstStyle/>
+          <a:p>
+            <a:pPr algn="ctr"/>
+            <a:r>
+              <a:rPr lang="en-IN" dirty="0"/>
+              <a:t>B</a:t>
+            </a:r>
+          </a:p>
+        </p:txBody>
+      </p:sp>
+      <p:sp>
+        <p:nvSpPr>
+          <p:cNvPr id="8" name="Oval 7">
+            <a:extLst>
+              <a:ext uri="{FF2B5EF4-FFF2-40B4-BE49-F238E27FC236}">
+                <a16:creationId xmlns:a16="http://schemas.microsoft.com/office/drawing/2014/main" id="{F5812BC3-9492-9836-248F-A2C9DF1AC923}"/>
+              </a:ext>
+            </a:extLst>
+          </p:cNvPr>
+          <p:cNvSpPr/>
+          <p:nvPr/>
+        </p:nvSpPr>
+        <p:spPr>
+          <a:xfrm>
+            <a:off x="2676144" y="2804160"/>
+            <a:ext cx="298704" cy="786384"/>
+          </a:xfrm>
+          <a:prstGeom prst="ellipse">
+            <a:avLst/>
+          </a:prstGeom>
+          <a:solidFill>
+            <a:srgbClr val="0070C0"/>
+          </a:solidFill>
+        </p:spPr>
+        <p:style>
+          <a:lnRef idx="2">
+            <a:schemeClr val="accent1">
+              <a:shade val="15000"/>
+            </a:schemeClr>
+          </a:lnRef>
+          <a:fillRef idx="1">
+            <a:schemeClr val="accent1"/>
+          </a:fillRef>
+          <a:effectRef idx="0">
+            <a:schemeClr val="accent1"/>
+          </a:effectRef>
+          <a:fontRef idx="minor">
+            <a:schemeClr val="lt1"/>
+          </a:fontRef>
+        </p:style>
+        <p:txBody>
+          <a:bodyPr rtlCol="0" anchor="ctr"/>
+          <a:lstStyle/>
+          <a:p>
+            <a:pPr algn="ctr"/>
+            <a:endParaRPr lang="en-IN" dirty="0">
+              <a:highlight>
+                <a:srgbClr val="FF00FF"/>
+              </a:highlight>
+            </a:endParaRPr>
+          </a:p>
+        </p:txBody>
+      </p:sp>
+      <p:sp>
+        <p:nvSpPr>
+          <p:cNvPr id="9" name="TextBox 8">
+            <a:extLst>
+              <a:ext uri="{FF2B5EF4-FFF2-40B4-BE49-F238E27FC236}">
+                <a16:creationId xmlns:a16="http://schemas.microsoft.com/office/drawing/2014/main" id="{8B8F8F2D-DBF8-597F-1DEF-289484C11B7A}"/>
+              </a:ext>
+            </a:extLst>
+          </p:cNvPr>
+          <p:cNvSpPr txBox="1"/>
+          <p:nvPr/>
+        </p:nvSpPr>
+        <p:spPr>
+          <a:xfrm>
+            <a:off x="1975104" y="3907536"/>
+            <a:ext cx="2164080" cy="369332"/>
+          </a:xfrm>
+          <a:prstGeom prst="rect">
+            <a:avLst/>
+          </a:prstGeom>
+          <a:noFill/>
+        </p:spPr>
+        <p:txBody>
+          <a:bodyPr wrap="square" rtlCol="0">
+            <a:spAutoFit/>
+          </a:bodyPr>
+          <a:lstStyle/>
+          <a:p>
+            <a:r>
+              <a:rPr lang="en-IN" dirty="0"/>
+              <a:t>  Left Join</a:t>
+            </a:r>
+          </a:p>
+        </p:txBody>
+      </p:sp>
+      <p:sp>
+        <p:nvSpPr>
+          <p:cNvPr id="10" name="Oval 9">
+            <a:extLst>
+              <a:ext uri="{FF2B5EF4-FFF2-40B4-BE49-F238E27FC236}">
+                <a16:creationId xmlns:a16="http://schemas.microsoft.com/office/drawing/2014/main" id="{2A30E4F9-127B-D5E3-4EA8-57B4850E104D}"/>
+              </a:ext>
+            </a:extLst>
+          </p:cNvPr>
+          <p:cNvSpPr/>
+          <p:nvPr/>
+        </p:nvSpPr>
+        <p:spPr>
+          <a:xfrm>
+            <a:off x="1877568" y="4614149"/>
+            <a:ext cx="999744" cy="1024128"/>
+          </a:xfrm>
+          <a:prstGeom prst="ellipse">
+            <a:avLst/>
+          </a:prstGeom>
+        </p:spPr>
+        <p:style>
+          <a:lnRef idx="2">
+            <a:schemeClr val="accent1">
+              <a:shade val="15000"/>
+            </a:schemeClr>
+          </a:lnRef>
+          <a:fillRef idx="1">
+            <a:schemeClr val="accent1"/>
+          </a:fillRef>
+          <a:effectRef idx="0">
+            <a:schemeClr val="accent1"/>
+          </a:effectRef>
+          <a:fontRef idx="minor">
+            <a:schemeClr val="lt1"/>
+          </a:fontRef>
+        </p:style>
+        <p:txBody>
+          <a:bodyPr rtlCol="0" anchor="ctr"/>
+          <a:lstStyle/>
+          <a:p>
+            <a:pPr algn="ctr"/>
+            <a:r>
+              <a:rPr lang="en-IN" dirty="0"/>
+              <a:t>A</a:t>
+            </a:r>
+          </a:p>
+        </p:txBody>
+      </p:sp>
+      <p:sp>
+        <p:nvSpPr>
+          <p:cNvPr id="11" name="Oval 10">
+            <a:extLst>
+              <a:ext uri="{FF2B5EF4-FFF2-40B4-BE49-F238E27FC236}">
+                <a16:creationId xmlns:a16="http://schemas.microsoft.com/office/drawing/2014/main" id="{1815959F-02E2-388A-1477-EDAA48BB0E8C}"/>
+              </a:ext>
+            </a:extLst>
+          </p:cNvPr>
+          <p:cNvSpPr/>
+          <p:nvPr/>
+        </p:nvSpPr>
+        <p:spPr>
+          <a:xfrm>
+            <a:off x="2572512" y="4614149"/>
+            <a:ext cx="999744" cy="1024128"/>
+          </a:xfrm>
+          <a:prstGeom prst="ellipse">
+            <a:avLst/>
+          </a:prstGeom>
+          <a:solidFill>
+            <a:srgbClr val="FFC000"/>
+          </a:solidFill>
+        </p:spPr>
+        <p:style>
+          <a:lnRef idx="2">
+            <a:schemeClr val="accent1">
+              <a:shade val="15000"/>
+            </a:schemeClr>
+          </a:lnRef>
+          <a:fillRef idx="1">
+            <a:schemeClr val="accent1"/>
+          </a:fillRef>
+          <a:effectRef idx="0">
+            <a:schemeClr val="accent1"/>
+          </a:effectRef>
+          <a:fontRef idx="minor">
+            <a:schemeClr val="lt1"/>
+          </a:fontRef>
+        </p:style>
+        <p:txBody>
+          <a:bodyPr rtlCol="0" anchor="ctr"/>
+          <a:lstStyle/>
+          <a:p>
+            <a:pPr algn="ctr"/>
+            <a:r>
+              <a:rPr lang="en-IN" dirty="0"/>
+              <a:t>B</a:t>
+            </a:r>
+          </a:p>
+        </p:txBody>
+      </p:sp>
+      <p:sp>
+        <p:nvSpPr>
+          <p:cNvPr id="12" name="Oval 11">
+            <a:extLst>
+              <a:ext uri="{FF2B5EF4-FFF2-40B4-BE49-F238E27FC236}">
+                <a16:creationId xmlns:a16="http://schemas.microsoft.com/office/drawing/2014/main" id="{F8CCD85E-0731-6194-4262-FFF91D81258E}"/>
+              </a:ext>
+            </a:extLst>
+          </p:cNvPr>
+          <p:cNvSpPr/>
+          <p:nvPr/>
+        </p:nvSpPr>
+        <p:spPr>
+          <a:xfrm>
+            <a:off x="2578608" y="4736069"/>
+            <a:ext cx="298704" cy="786384"/>
+          </a:xfrm>
+          <a:prstGeom prst="ellipse">
+            <a:avLst/>
+          </a:prstGeom>
+          <a:solidFill>
+            <a:srgbClr val="FFC000"/>
+          </a:solidFill>
+        </p:spPr>
+        <p:style>
+          <a:lnRef idx="2">
+            <a:schemeClr val="accent1">
+              <a:shade val="15000"/>
+            </a:schemeClr>
+          </a:lnRef>
+          <a:fillRef idx="1">
+            <a:schemeClr val="accent1"/>
+          </a:fillRef>
+          <a:effectRef idx="0">
+            <a:schemeClr val="accent1"/>
+          </a:effectRef>
+          <a:fontRef idx="minor">
+            <a:schemeClr val="lt1"/>
+          </a:fontRef>
+        </p:style>
+        <p:txBody>
+          <a:bodyPr rtlCol="0" anchor="ctr"/>
+          <a:lstStyle/>
+          <a:p>
+            <a:pPr algn="ctr"/>
+            <a:endParaRPr lang="en-IN" dirty="0">
+              <a:highlight>
+                <a:srgbClr val="FF00FF"/>
+              </a:highlight>
+            </a:endParaRPr>
+          </a:p>
+        </p:txBody>
+      </p:sp>
+      <p:sp>
+        <p:nvSpPr>
+          <p:cNvPr id="13" name="TextBox 12">
+            <a:extLst>
+              <a:ext uri="{FF2B5EF4-FFF2-40B4-BE49-F238E27FC236}">
+                <a16:creationId xmlns:a16="http://schemas.microsoft.com/office/drawing/2014/main" id="{D883B877-43BF-2525-634B-351A652BEEEB}"/>
+              </a:ext>
+            </a:extLst>
+          </p:cNvPr>
+          <p:cNvSpPr txBox="1"/>
+          <p:nvPr/>
+        </p:nvSpPr>
+        <p:spPr>
+          <a:xfrm>
+            <a:off x="1877568" y="5839445"/>
+            <a:ext cx="2164080" cy="369332"/>
+          </a:xfrm>
+          <a:prstGeom prst="rect">
+            <a:avLst/>
+          </a:prstGeom>
+          <a:noFill/>
+        </p:spPr>
+        <p:txBody>
+          <a:bodyPr wrap="square" rtlCol="0">
+            <a:spAutoFit/>
+          </a:bodyPr>
+          <a:lstStyle/>
+          <a:p>
+            <a:r>
+              <a:rPr lang="en-IN" dirty="0"/>
+              <a:t>  Right Join</a:t>
+            </a:r>
+          </a:p>
+        </p:txBody>
+      </p:sp>
+      <p:sp>
+        <p:nvSpPr>
+          <p:cNvPr id="14" name="Oval 13">
+            <a:extLst>
+              <a:ext uri="{FF2B5EF4-FFF2-40B4-BE49-F238E27FC236}">
+                <a16:creationId xmlns:a16="http://schemas.microsoft.com/office/drawing/2014/main" id="{F26C4AC8-81DD-49F6-738F-62D13830CD48}"/>
+              </a:ext>
+            </a:extLst>
+          </p:cNvPr>
+          <p:cNvSpPr/>
+          <p:nvPr/>
+        </p:nvSpPr>
+        <p:spPr>
+          <a:xfrm>
+            <a:off x="5163312" y="2523221"/>
+            <a:ext cx="999744" cy="1024128"/>
+          </a:xfrm>
+          <a:prstGeom prst="ellipse">
+            <a:avLst/>
+          </a:prstGeom>
+          <a:solidFill>
+            <a:srgbClr val="00B050"/>
+          </a:solidFill>
+        </p:spPr>
+        <p:style>
+          <a:lnRef idx="2">
+            <a:schemeClr val="accent1">
+              <a:shade val="15000"/>
+            </a:schemeClr>
+          </a:lnRef>
+          <a:fillRef idx="1">
+            <a:schemeClr val="accent1"/>
+          </a:fillRef>
+          <a:effectRef idx="0">
+            <a:schemeClr val="accent1"/>
+          </a:effectRef>
+          <a:fontRef idx="minor">
+            <a:schemeClr val="lt1"/>
+          </a:fontRef>
+        </p:style>
+        <p:txBody>
+          <a:bodyPr rtlCol="0" anchor="ctr"/>
+          <a:lstStyle/>
+          <a:p>
+            <a:pPr algn="ctr"/>
+            <a:r>
+              <a:rPr lang="en-IN" dirty="0"/>
+              <a:t>A</a:t>
+            </a:r>
+          </a:p>
+        </p:txBody>
+      </p:sp>
+      <p:sp>
+        <p:nvSpPr>
+          <p:cNvPr id="15" name="Oval 14">
+            <a:extLst>
+              <a:ext uri="{FF2B5EF4-FFF2-40B4-BE49-F238E27FC236}">
+                <a16:creationId xmlns:a16="http://schemas.microsoft.com/office/drawing/2014/main" id="{26A5EB52-FE99-6E53-7C89-06F26FA4DC32}"/>
+              </a:ext>
+            </a:extLst>
+          </p:cNvPr>
+          <p:cNvSpPr/>
+          <p:nvPr/>
+        </p:nvSpPr>
+        <p:spPr>
+          <a:xfrm>
+            <a:off x="5858256" y="2523221"/>
+            <a:ext cx="999744" cy="1024128"/>
+          </a:xfrm>
+          <a:prstGeom prst="ellipse">
+            <a:avLst/>
+          </a:prstGeom>
+          <a:solidFill>
+            <a:srgbClr val="00B050"/>
+          </a:solidFill>
+        </p:spPr>
+        <p:style>
+          <a:lnRef idx="2">
+            <a:schemeClr val="accent1">
+              <a:shade val="15000"/>
+            </a:schemeClr>
+          </a:lnRef>
+          <a:fillRef idx="1">
+            <a:schemeClr val="accent1"/>
+          </a:fillRef>
+          <a:effectRef idx="0">
+            <a:schemeClr val="accent1"/>
+          </a:effectRef>
+          <a:fontRef idx="minor">
+            <a:schemeClr val="lt1"/>
+          </a:fontRef>
+        </p:style>
+        <p:txBody>
+          <a:bodyPr rtlCol="0" anchor="ctr"/>
+          <a:lstStyle/>
+          <a:p>
+            <a:pPr algn="ctr"/>
+            <a:r>
+              <a:rPr lang="en-IN" dirty="0"/>
+              <a:t>B</a:t>
+            </a:r>
+          </a:p>
+        </p:txBody>
+      </p:sp>
+      <p:sp>
+        <p:nvSpPr>
+          <p:cNvPr id="16" name="Oval 15">
+            <a:extLst>
+              <a:ext uri="{FF2B5EF4-FFF2-40B4-BE49-F238E27FC236}">
+                <a16:creationId xmlns:a16="http://schemas.microsoft.com/office/drawing/2014/main" id="{67BAD112-30CC-2A20-8789-8718725E04F7}"/>
+              </a:ext>
+            </a:extLst>
+          </p:cNvPr>
+          <p:cNvSpPr/>
+          <p:nvPr/>
+        </p:nvSpPr>
+        <p:spPr>
+          <a:xfrm>
+            <a:off x="5864352" y="2645141"/>
+            <a:ext cx="298704" cy="786384"/>
+          </a:xfrm>
+          <a:prstGeom prst="ellipse">
+            <a:avLst/>
+          </a:prstGeom>
+          <a:solidFill>
+            <a:srgbClr val="00B050"/>
+          </a:solidFill>
+        </p:spPr>
+        <p:style>
+          <a:lnRef idx="2">
+            <a:schemeClr val="accent1">
+              <a:shade val="15000"/>
+            </a:schemeClr>
+          </a:lnRef>
+          <a:fillRef idx="1">
+            <a:schemeClr val="accent1"/>
+          </a:fillRef>
+          <a:effectRef idx="0">
+            <a:schemeClr val="accent1"/>
+          </a:effectRef>
+          <a:fontRef idx="minor">
+            <a:schemeClr val="lt1"/>
+          </a:fontRef>
+        </p:style>
+        <p:txBody>
+          <a:bodyPr rtlCol="0" anchor="ctr"/>
+          <a:lstStyle/>
+          <a:p>
+            <a:pPr algn="ctr"/>
+            <a:endParaRPr lang="en-IN" dirty="0">
+              <a:highlight>
+                <a:srgbClr val="FF00FF"/>
+              </a:highlight>
+            </a:endParaRPr>
+          </a:p>
+        </p:txBody>
+      </p:sp>
+      <p:sp>
+        <p:nvSpPr>
+          <p:cNvPr id="17" name="TextBox 16">
+            <a:extLst>
+              <a:ext uri="{FF2B5EF4-FFF2-40B4-BE49-F238E27FC236}">
+                <a16:creationId xmlns:a16="http://schemas.microsoft.com/office/drawing/2014/main" id="{0067AE00-4A99-9A7D-5947-1C4D62559097}"/>
+              </a:ext>
+            </a:extLst>
+          </p:cNvPr>
+          <p:cNvSpPr txBox="1"/>
+          <p:nvPr/>
+        </p:nvSpPr>
+        <p:spPr>
+          <a:xfrm>
+            <a:off x="5163312" y="3748517"/>
+            <a:ext cx="2164080" cy="369332"/>
+          </a:xfrm>
+          <a:prstGeom prst="rect">
+            <a:avLst/>
+          </a:prstGeom>
+          <a:noFill/>
+        </p:spPr>
+        <p:txBody>
+          <a:bodyPr wrap="square" rtlCol="0">
+            <a:spAutoFit/>
+          </a:bodyPr>
+          <a:lstStyle/>
+          <a:p>
+            <a:r>
+              <a:rPr lang="en-IN" dirty="0"/>
+              <a:t>  Full  Join</a:t>
+            </a:r>
+          </a:p>
+        </p:txBody>
+      </p:sp>
+    </p:spTree>
+    <p:extLst>
+      <p:ext uri="{BB962C8B-B14F-4D97-AF65-F5344CB8AC3E}">
+        <p14:creationId xmlns:p14="http://schemas.microsoft.com/office/powerpoint/2010/main" val="1244208486"/>
+      </p:ext>
+    </p:extLst>
+  </p:cSld>
+  <p:clrMapOvr>
+    <a:masterClrMapping/>
+  </p:clrMapOvr>
+</p:sld>
+</file>
+
+<file path=ppt/slides/slide5.xml><?xml version="1.0" encoding="utf-8"?>
+<p:sld xmlns:a="http://schemas.openxmlformats.org/drawingml/2006/main" xmlns:r="http://schemas.openxmlformats.org/officeDocument/2006/relationships" xmlns:p="http://schemas.openxmlformats.org/presentationml/2006/main">
+  <p:cSld>
+    <p:spTree>
+      <p:nvGrpSpPr>
+        <p:cNvPr id="1" name="">
+          <a:extLst>
+            <a:ext uri="{FF2B5EF4-FFF2-40B4-BE49-F238E27FC236}">
+              <a16:creationId xmlns:a16="http://schemas.microsoft.com/office/drawing/2014/main" id="{E8EA44D9-61E9-90CE-B255-0F5B5FE69EEB}"/>
+            </a:ext>
+          </a:extLst>
+        </p:cNvPr>
+        <p:cNvGrpSpPr/>
+        <p:nvPr/>
+      </p:nvGrpSpPr>
+      <p:grpSpPr>
+        <a:xfrm>
+          <a:off x="0" y="0"/>
+          <a:ext cx="0" cy="0"/>
+          <a:chOff x="0" y="0"/>
+          <a:chExt cx="0" cy="0"/>
+        </a:xfrm>
+      </p:grpSpPr>
+      <p:sp>
+        <p:nvSpPr>
+          <p:cNvPr id="2" name="TextBox 1">
+            <a:extLst>
+              <a:ext uri="{FF2B5EF4-FFF2-40B4-BE49-F238E27FC236}">
+                <a16:creationId xmlns:a16="http://schemas.microsoft.com/office/drawing/2014/main" id="{F9606BD4-6F6F-7746-8C4E-4D1EB33FE948}"/>
+              </a:ext>
+            </a:extLst>
+          </p:cNvPr>
+          <p:cNvSpPr txBox="1"/>
+          <p:nvPr/>
+        </p:nvSpPr>
+        <p:spPr>
+          <a:xfrm>
+            <a:off x="922351" y="159026"/>
+            <a:ext cx="10360550" cy="3970318"/>
+          </a:xfrm>
+          <a:prstGeom prst="rect">
+            <a:avLst/>
+          </a:prstGeom>
+          <a:noFill/>
+        </p:spPr>
+        <p:txBody>
+          <a:bodyPr wrap="square" rtlCol="0">
+            <a:spAutoFit/>
+          </a:bodyPr>
+          <a:lstStyle/>
+          <a:p>
+            <a:r>
+              <a:rPr lang="en-US" dirty="0"/>
+              <a:t>alter table employee </a:t>
+            </a:r>
+          </a:p>
+          <a:p>
+            <a:r>
+              <a:rPr lang="en-US" dirty="0"/>
+              <a:t>add column salary numeric(13,2)</a:t>
+            </a:r>
+          </a:p>
+          <a:p>
+            <a:endParaRPr lang="en-US" dirty="0"/>
+          </a:p>
+          <a:p>
+            <a:r>
+              <a:rPr lang="en-IN" dirty="0"/>
+              <a:t> create table project(	id int primary key,	</a:t>
+            </a:r>
+            <a:r>
+              <a:rPr lang="en-IN" dirty="0" err="1"/>
+              <a:t>project_code</a:t>
+            </a:r>
+            <a:r>
+              <a:rPr lang="en-IN" dirty="0"/>
+              <a:t> varchar(10),	</a:t>
+            </a:r>
+            <a:r>
+              <a:rPr lang="en-IN" dirty="0" err="1"/>
+              <a:t>project_desc</a:t>
+            </a:r>
+            <a:r>
+              <a:rPr lang="en-IN" dirty="0"/>
+              <a:t> varchar(100)	  )</a:t>
+            </a:r>
+          </a:p>
+          <a:p>
+            <a:r>
+              <a:rPr lang="en-IN" dirty="0"/>
+              <a:t>insert into project (</a:t>
+            </a:r>
+            <a:r>
+              <a:rPr lang="en-IN" dirty="0" err="1"/>
+              <a:t>id,project_code,project_desc</a:t>
+            </a:r>
+            <a:r>
+              <a:rPr lang="en-IN" dirty="0"/>
+              <a:t>)values(2,'LOGST01','Logistic Project’);</a:t>
+            </a:r>
+          </a:p>
+          <a:p>
+            <a:endParaRPr lang="en-IN" dirty="0"/>
+          </a:p>
+          <a:p>
+            <a:r>
+              <a:rPr lang="en-IN" dirty="0"/>
+              <a:t>alter table employee add column </a:t>
+            </a:r>
+            <a:r>
+              <a:rPr lang="en-IN" dirty="0" err="1"/>
+              <a:t>project_id</a:t>
+            </a:r>
+            <a:r>
+              <a:rPr lang="en-IN" dirty="0"/>
+              <a:t> int references project(id)</a:t>
+            </a:r>
+          </a:p>
+          <a:p>
+            <a:endParaRPr lang="en-IN" dirty="0"/>
+          </a:p>
+          <a:p>
+            <a:r>
+              <a:rPr lang="en-IN" dirty="0"/>
+              <a:t>select * from </a:t>
+            </a:r>
+            <a:r>
+              <a:rPr lang="en-IN" dirty="0" err="1"/>
+              <a:t>employeeupdate</a:t>
+            </a:r>
+            <a:r>
+              <a:rPr lang="en-IN" dirty="0"/>
+              <a:t> employee set </a:t>
+            </a:r>
+            <a:r>
+              <a:rPr lang="en-IN" dirty="0" err="1"/>
+              <a:t>project_id</a:t>
+            </a:r>
+            <a:r>
+              <a:rPr lang="en-IN" dirty="0"/>
+              <a:t>=1</a:t>
+            </a:r>
+          </a:p>
+          <a:p>
+            <a:endParaRPr lang="en-IN" dirty="0"/>
+          </a:p>
+          <a:p>
+            <a:endParaRPr lang="en-IN"/>
+          </a:p>
+          <a:p>
+            <a:r>
+              <a:rPr lang="en-IN"/>
+              <a:t>select  </a:t>
+            </a:r>
+            <a:r>
+              <a:rPr lang="en-IN" dirty="0"/>
+              <a:t>distinct(</a:t>
+            </a:r>
+            <a:r>
+              <a:rPr lang="en-IN" dirty="0" err="1"/>
+              <a:t>e.emp_name</a:t>
+            </a:r>
+            <a:r>
+              <a:rPr lang="en-IN" dirty="0"/>
+              <a:t>),</a:t>
+            </a:r>
+            <a:r>
+              <a:rPr lang="en-IN" dirty="0" err="1"/>
+              <a:t>d.dept_desc</a:t>
+            </a:r>
+            <a:r>
+              <a:rPr lang="en-IN" dirty="0"/>
+              <a:t>,  </a:t>
+            </a:r>
+            <a:r>
+              <a:rPr lang="en-IN" dirty="0" err="1"/>
+              <a:t>p.project_descfrom</a:t>
+            </a:r>
+            <a:r>
+              <a:rPr lang="en-IN" dirty="0"/>
+              <a:t> employee e, department d, project </a:t>
+            </a:r>
+            <a:r>
+              <a:rPr lang="en-IN" dirty="0" err="1"/>
+              <a:t>pwhere</a:t>
+            </a:r>
+            <a:r>
+              <a:rPr lang="en-IN" dirty="0"/>
+              <a:t> </a:t>
+            </a:r>
+            <a:r>
+              <a:rPr lang="en-IN" dirty="0" err="1"/>
+              <a:t>e.department_id</a:t>
+            </a:r>
+            <a:r>
+              <a:rPr lang="en-IN" dirty="0"/>
+              <a:t>=</a:t>
+            </a:r>
+            <a:r>
+              <a:rPr lang="en-IN" dirty="0" err="1"/>
+              <a:t>d.idand</a:t>
+            </a:r>
+            <a:r>
+              <a:rPr lang="en-IN" dirty="0"/>
+              <a:t> </a:t>
+            </a:r>
+            <a:r>
+              <a:rPr lang="en-IN" dirty="0" err="1"/>
+              <a:t>e.project_id</a:t>
+            </a:r>
+            <a:r>
+              <a:rPr lang="en-IN" dirty="0"/>
+              <a:t>= p.id</a:t>
+            </a:r>
+          </a:p>
+        </p:txBody>
+      </p:sp>
+    </p:spTree>
+    <p:extLst>
+      <p:ext uri="{BB962C8B-B14F-4D97-AF65-F5344CB8AC3E}">
+        <p14:creationId xmlns:p14="http://schemas.microsoft.com/office/powerpoint/2010/main" val="3118089071"/>
+      </p:ext>
+    </p:extLst>
+  </p:cSld>
+  <p:clrMapOvr>
+    <a:masterClrMapping/>
+  </p:clrMapOvr>
+</p:sld>
+</file>
+
+<file path=ppt/slides/slide6.xml><?xml version="1.0" encoding="utf-8"?>
+<p:sld xmlns:a="http://schemas.openxmlformats.org/drawingml/2006/main" xmlns:r="http://schemas.openxmlformats.org/officeDocument/2006/relationships" xmlns:p="http://schemas.openxmlformats.org/presentationml/2006/main">
+  <p:cSld>
+    <p:spTree>
+      <p:nvGrpSpPr>
+        <p:cNvPr id="1" name=""/>
+        <p:cNvGrpSpPr/>
+        <p:nvPr/>
+      </p:nvGrpSpPr>
+      <p:grpSpPr>
+        <a:xfrm>
+          <a:off x="0" y="0"/>
+          <a:ext cx="0" cy="0"/>
+          <a:chOff x="0" y="0"/>
+          <a:chExt cx="0" cy="0"/>
+        </a:xfrm>
+      </p:grpSpPr>
+      <p:sp>
+        <p:nvSpPr>
           <p:cNvPr id="2" name="TextBox 1">
             <a:extLst>
               <a:ext uri="{FF2B5EF4-FFF2-40B4-BE49-F238E27FC236}">
@@ -3739,6 +4753,188 @@
     <p:extLst>
       <p:ext uri="{BB962C8B-B14F-4D97-AF65-F5344CB8AC3E}">
         <p14:creationId xmlns:p14="http://schemas.microsoft.com/office/powerpoint/2010/main" val="1630882325"/>
+      </p:ext>
+    </p:extLst>
+  </p:cSld>
+  <p:clrMapOvr>
+    <a:masterClrMapping/>
+  </p:clrMapOvr>
+</p:sld>
+</file>
+
+<file path=ppt/slides/slide7.xml><?xml version="1.0" encoding="utf-8"?>
+<p:sld xmlns:a="http://schemas.openxmlformats.org/drawingml/2006/main" xmlns:r="http://schemas.openxmlformats.org/officeDocument/2006/relationships" xmlns:p="http://schemas.openxmlformats.org/presentationml/2006/main">
+  <p:cSld>
+    <p:spTree>
+      <p:nvGrpSpPr>
+        <p:cNvPr id="1" name=""/>
+        <p:cNvGrpSpPr/>
+        <p:nvPr/>
+      </p:nvGrpSpPr>
+      <p:grpSpPr>
+        <a:xfrm>
+          <a:off x="0" y="0"/>
+          <a:ext cx="0" cy="0"/>
+          <a:chOff x="0" y="0"/>
+          <a:chExt cx="0" cy="0"/>
+        </a:xfrm>
+      </p:grpSpPr>
+      <p:sp>
+        <p:nvSpPr>
+          <p:cNvPr id="2" name="TextBox 1">
+            <a:extLst>
+              <a:ext uri="{FF2B5EF4-FFF2-40B4-BE49-F238E27FC236}">
+                <a16:creationId xmlns:a16="http://schemas.microsoft.com/office/drawing/2014/main" id="{32B5A97B-89A1-83A9-1FDB-4EA7023BA072}"/>
+              </a:ext>
+            </a:extLst>
+          </p:cNvPr>
+          <p:cNvSpPr txBox="1"/>
+          <p:nvPr/>
+        </p:nvSpPr>
+        <p:spPr>
+          <a:xfrm>
+            <a:off x="499872" y="158496"/>
+            <a:ext cx="8601456" cy="7294305"/>
+          </a:xfrm>
+          <a:prstGeom prst="rect">
+            <a:avLst/>
+          </a:prstGeom>
+          <a:noFill/>
+        </p:spPr>
+        <p:txBody>
+          <a:bodyPr wrap="square" rtlCol="0">
+            <a:spAutoFit/>
+          </a:bodyPr>
+          <a:lstStyle/>
+          <a:p>
+            <a:r>
+              <a:rPr lang="en-IN" dirty="0"/>
+              <a:t>Ex2: Find out the employee details who earn more than 50000  </a:t>
+            </a:r>
+          </a:p>
+          <a:p>
+            <a:endParaRPr lang="en-IN" dirty="0"/>
+          </a:p>
+          <a:p>
+            <a:r>
+              <a:rPr lang="en-IN" dirty="0"/>
+              <a:t>Ex3: Find out the employee details who earn in the range of 20000 to 50000 use between</a:t>
+            </a:r>
+          </a:p>
+          <a:p>
+            <a:endParaRPr lang="en-IN" dirty="0"/>
+          </a:p>
+          <a:p>
+            <a:r>
+              <a:rPr lang="en-IN" dirty="0"/>
+              <a:t>Ex4. Using sum find out the total expenditure of the company as salary</a:t>
+            </a:r>
+          </a:p>
+          <a:p>
+            <a:endParaRPr lang="en-IN" dirty="0"/>
+          </a:p>
+          <a:p>
+            <a:r>
+              <a:rPr lang="en-IN" dirty="0"/>
+              <a:t>Ex5: Find  out the average salary earned by employees use </a:t>
+            </a:r>
+            <a:r>
+              <a:rPr lang="en-IN" dirty="0" err="1"/>
+              <a:t>avg</a:t>
+            </a:r>
+            <a:endParaRPr lang="en-IN" dirty="0"/>
+          </a:p>
+          <a:p>
+            <a:endParaRPr lang="en-IN" dirty="0"/>
+          </a:p>
+          <a:p>
+            <a:r>
+              <a:rPr lang="en-IN" dirty="0"/>
+              <a:t>Ex6 : Print the employee details sorted by employee salary in descending order</a:t>
+            </a:r>
+          </a:p>
+          <a:p>
+            <a:endParaRPr lang="en-IN" dirty="0"/>
+          </a:p>
+          <a:p>
+            <a:r>
+              <a:rPr lang="en-IN" dirty="0"/>
+              <a:t>Ex7 : Display the employees with department name.</a:t>
+            </a:r>
+          </a:p>
+          <a:p>
+            <a:endParaRPr lang="en-IN" dirty="0"/>
+          </a:p>
+          <a:p>
+            <a:r>
+              <a:rPr lang="en-IN" dirty="0"/>
+              <a:t>Ex8: Display the employee name, employee code and his/her department name</a:t>
+            </a:r>
+          </a:p>
+          <a:p>
+            <a:endParaRPr lang="en-IN" dirty="0"/>
+          </a:p>
+          <a:p>
+            <a:r>
+              <a:rPr lang="en-IN" dirty="0"/>
+              <a:t>Ex9 : Find out the most recently added employee code </a:t>
+            </a:r>
+          </a:p>
+          <a:p>
+            <a:endParaRPr lang="en-IN" dirty="0"/>
+          </a:p>
+          <a:p>
+            <a:r>
+              <a:rPr lang="en-IN" dirty="0"/>
+              <a:t>Ex10 : Create record in employee table with </a:t>
+            </a:r>
+            <a:r>
+              <a:rPr lang="en-IN" dirty="0" err="1"/>
+              <a:t>department_id</a:t>
+            </a:r>
+            <a:r>
+              <a:rPr lang="en-IN" dirty="0"/>
+              <a:t> null , create record in department having no matching record in the employee table and then run queries using inner join, left  outer join and right outer join</a:t>
+            </a:r>
+          </a:p>
+          <a:p>
+            <a:endParaRPr lang="en-IN" dirty="0"/>
+          </a:p>
+          <a:p>
+            <a:r>
+              <a:rPr lang="en-IN" dirty="0"/>
+              <a:t>Ex11: Add a </a:t>
+            </a:r>
+            <a:r>
+              <a:rPr lang="en-IN" dirty="0" err="1"/>
+              <a:t>manager_id</a:t>
+            </a:r>
+            <a:r>
+              <a:rPr lang="en-IN" dirty="0"/>
+              <a:t> column in the employee table and using self join print the employee names and their manager names</a:t>
+            </a:r>
+          </a:p>
+          <a:p>
+            <a:endParaRPr lang="en-IN" dirty="0"/>
+          </a:p>
+          <a:p>
+            <a:r>
+              <a:rPr lang="en-IN" dirty="0"/>
+              <a:t>Ex12 : Give me department wise employee count</a:t>
+            </a:r>
+          </a:p>
+          <a:p>
+            <a:endParaRPr lang="en-IN" dirty="0"/>
+          </a:p>
+          <a:p>
+            <a:endParaRPr lang="en-IN" dirty="0"/>
+          </a:p>
+        </p:txBody>
+      </p:sp>
+    </p:spTree>
+    <p:extLst>
+      <p:ext uri="{BB962C8B-B14F-4D97-AF65-F5344CB8AC3E}">
+        <p14:creationId xmlns:p14="http://schemas.microsoft.com/office/powerpoint/2010/main" val="695188017"/>
       </p:ext>
     </p:extLst>
   </p:cSld>

--- a/day2_22_9_25/day2_22_9_25.pptx
+++ b/day2_22_9_25/day2_22_9_25.pptx
@@ -12,6 +12,9 @@
     <p:sldId id="260" r:id="rId6"/>
     <p:sldId id="258" r:id="rId7"/>
     <p:sldId id="261" r:id="rId8"/>
+    <p:sldId id="263" r:id="rId9"/>
+    <p:sldId id="265" r:id="rId10"/>
+    <p:sldId id="264" r:id="rId11"/>
   </p:sldIdLst>
   <p:sldSz cx="12192000" cy="6858000"/>
   <p:notesSz cx="6858000" cy="9144000"/>
@@ -3431,6 +3434,101 @@
 </p:sld>
 </file>
 
+<file path=ppt/slides/slide10.xml><?xml version="1.0" encoding="utf-8"?>
+<p:sld xmlns:a="http://schemas.openxmlformats.org/drawingml/2006/main" xmlns:r="http://schemas.openxmlformats.org/officeDocument/2006/relationships" xmlns:p="http://schemas.openxmlformats.org/presentationml/2006/main">
+  <p:cSld>
+    <p:spTree>
+      <p:nvGrpSpPr>
+        <p:cNvPr id="1" name="">
+          <a:extLst>
+            <a:ext uri="{FF2B5EF4-FFF2-40B4-BE49-F238E27FC236}">
+              <a16:creationId xmlns:a16="http://schemas.microsoft.com/office/drawing/2014/main" id="{40E91338-7601-1513-2427-2AA41EBC8F5B}"/>
+            </a:ext>
+          </a:extLst>
+        </p:cNvPr>
+        <p:cNvGrpSpPr/>
+        <p:nvPr/>
+      </p:nvGrpSpPr>
+      <p:grpSpPr>
+        <a:xfrm>
+          <a:off x="0" y="0"/>
+          <a:ext cx="0" cy="0"/>
+          <a:chOff x="0" y="0"/>
+          <a:chExt cx="0" cy="0"/>
+        </a:xfrm>
+      </p:grpSpPr>
+      <p:sp>
+        <p:nvSpPr>
+          <p:cNvPr id="3" name="TextBox 2">
+            <a:extLst>
+              <a:ext uri="{FF2B5EF4-FFF2-40B4-BE49-F238E27FC236}">
+                <a16:creationId xmlns:a16="http://schemas.microsoft.com/office/drawing/2014/main" id="{60C40749-0F62-5867-E79F-B63B38519A71}"/>
+              </a:ext>
+            </a:extLst>
+          </p:cNvPr>
+          <p:cNvSpPr txBox="1"/>
+          <p:nvPr/>
+        </p:nvSpPr>
+        <p:spPr>
+          <a:xfrm>
+            <a:off x="467557" y="174168"/>
+            <a:ext cx="11256885" cy="4524315"/>
+          </a:xfrm>
+          <a:prstGeom prst="rect">
+            <a:avLst/>
+          </a:prstGeom>
+          <a:noFill/>
+        </p:spPr>
+        <p:txBody>
+          <a:bodyPr wrap="square" rtlCol="0">
+            <a:spAutoFit/>
+          </a:bodyPr>
+          <a:lstStyle/>
+          <a:p>
+            <a:r>
+              <a:rPr lang="en-IN" sz="3200" dirty="0"/>
+              <a:t>Ex 23: Name of the shipper who shipped maximum number of orders</a:t>
+            </a:r>
+          </a:p>
+          <a:p>
+            <a:endParaRPr lang="en-IN" sz="3200" dirty="0"/>
+          </a:p>
+          <a:p>
+            <a:r>
+              <a:rPr lang="en-IN" sz="3200" dirty="0"/>
+              <a:t>Ex24: Name of the shipper who shipped maximum order value</a:t>
+            </a:r>
+          </a:p>
+          <a:p>
+            <a:endParaRPr lang="en-IN" sz="3200" dirty="0"/>
+          </a:p>
+          <a:p>
+            <a:r>
+              <a:rPr lang="en-IN" sz="3200" dirty="0"/>
+              <a:t>Ex25 : Name of the manager whose employees have shipped maximum order value </a:t>
+            </a:r>
+          </a:p>
+          <a:p>
+            <a:endParaRPr lang="en-IN" sz="3200" dirty="0"/>
+          </a:p>
+          <a:p>
+            <a:endParaRPr lang="en-IN" sz="3200" dirty="0"/>
+          </a:p>
+        </p:txBody>
+      </p:sp>
+    </p:spTree>
+    <p:extLst>
+      <p:ext uri="{BB962C8B-B14F-4D97-AF65-F5344CB8AC3E}">
+        <p14:creationId xmlns:p14="http://schemas.microsoft.com/office/powerpoint/2010/main" val="1325238025"/>
+      </p:ext>
+    </p:extLst>
+  </p:cSld>
+  <p:clrMapOvr>
+    <a:masterClrMapping/>
+  </p:clrMapOvr>
+</p:sld>
+</file>
+
 <file path=ppt/slides/slide2.xml><?xml version="1.0" encoding="utf-8"?>
 <p:sld xmlns:a="http://schemas.openxmlformats.org/drawingml/2006/main" xmlns:r="http://schemas.openxmlformats.org/officeDocument/2006/relationships" xmlns:p="http://schemas.openxmlformats.org/presentationml/2006/main">
   <p:cSld>
@@ -4596,16 +4694,12 @@
             <a:endParaRPr lang="en-IN" dirty="0"/>
           </a:p>
           <a:p>
-            <a:endParaRPr lang="en-IN"/>
-          </a:p>
-          <a:p>
-            <a:r>
-              <a:rPr lang="en-IN"/>
-              <a:t>select  </a:t>
-            </a:r>
+            <a:endParaRPr lang="en-IN" dirty="0"/>
+          </a:p>
+          <a:p>
             <a:r>
               <a:rPr lang="en-IN" dirty="0"/>
-              <a:t>distinct(</a:t>
+              <a:t>select  distinct(</a:t>
             </a:r>
             <a:r>
               <a:rPr lang="en-IN" dirty="0" err="1"/>
@@ -4935,6 +5029,223 @@
     <p:extLst>
       <p:ext uri="{BB962C8B-B14F-4D97-AF65-F5344CB8AC3E}">
         <p14:creationId xmlns:p14="http://schemas.microsoft.com/office/powerpoint/2010/main" val="695188017"/>
+      </p:ext>
+    </p:extLst>
+  </p:cSld>
+  <p:clrMapOvr>
+    <a:masterClrMapping/>
+  </p:clrMapOvr>
+</p:sld>
+</file>
+
+<file path=ppt/slides/slide8.xml><?xml version="1.0" encoding="utf-8"?>
+<p:sld xmlns:a="http://schemas.openxmlformats.org/drawingml/2006/main" xmlns:r="http://schemas.openxmlformats.org/officeDocument/2006/relationships" xmlns:p="http://schemas.openxmlformats.org/presentationml/2006/main">
+  <p:cSld>
+    <p:spTree>
+      <p:nvGrpSpPr>
+        <p:cNvPr id="1" name=""/>
+        <p:cNvGrpSpPr/>
+        <p:nvPr/>
+      </p:nvGrpSpPr>
+      <p:grpSpPr>
+        <a:xfrm>
+          <a:off x="0" y="0"/>
+          <a:ext cx="0" cy="0"/>
+          <a:chOff x="0" y="0"/>
+          <a:chExt cx="0" cy="0"/>
+        </a:xfrm>
+      </p:grpSpPr>
+      <p:sp>
+        <p:nvSpPr>
+          <p:cNvPr id="3" name="TextBox 2">
+            <a:extLst>
+              <a:ext uri="{FF2B5EF4-FFF2-40B4-BE49-F238E27FC236}">
+                <a16:creationId xmlns:a16="http://schemas.microsoft.com/office/drawing/2014/main" id="{1237480A-2946-C4F7-45E2-84D96C35A752}"/>
+              </a:ext>
+            </a:extLst>
+          </p:cNvPr>
+          <p:cNvSpPr txBox="1"/>
+          <p:nvPr/>
+        </p:nvSpPr>
+        <p:spPr>
+          <a:xfrm>
+            <a:off x="461639" y="150920"/>
+            <a:ext cx="11256885" cy="4524315"/>
+          </a:xfrm>
+          <a:prstGeom prst="rect">
+            <a:avLst/>
+          </a:prstGeom>
+          <a:noFill/>
+        </p:spPr>
+        <p:txBody>
+          <a:bodyPr wrap="square" rtlCol="0">
+            <a:spAutoFit/>
+          </a:bodyPr>
+          <a:lstStyle/>
+          <a:p>
+            <a:r>
+              <a:rPr lang="en-IN" sz="3200" dirty="0"/>
+              <a:t>Ex13 : Display a list  : username ,  number of followers and how many ppl they are following </a:t>
+            </a:r>
+          </a:p>
+          <a:p>
+            <a:endParaRPr lang="en-IN" sz="3200" dirty="0"/>
+          </a:p>
+          <a:p>
+            <a:r>
+              <a:rPr lang="en-IN" sz="3200" dirty="0"/>
+              <a:t>Ex14 : Display a list  : username ,  number of comments made against  the posts of  users</a:t>
+            </a:r>
+          </a:p>
+          <a:p>
+            <a:endParaRPr lang="en-IN" sz="3200" dirty="0"/>
+          </a:p>
+          <a:p>
+            <a:r>
+              <a:rPr lang="en-IN" sz="3200" dirty="0"/>
+              <a:t>Ex15 : Display a list  : username ,  number of posts of  users</a:t>
+            </a:r>
+          </a:p>
+          <a:p>
+            <a:endParaRPr lang="en-IN" sz="3200" dirty="0"/>
+          </a:p>
+          <a:p>
+            <a:endParaRPr lang="en-IN" sz="3200" dirty="0"/>
+          </a:p>
+        </p:txBody>
+      </p:sp>
+    </p:spTree>
+    <p:extLst>
+      <p:ext uri="{BB962C8B-B14F-4D97-AF65-F5344CB8AC3E}">
+        <p14:creationId xmlns:p14="http://schemas.microsoft.com/office/powerpoint/2010/main" val="1251066784"/>
+      </p:ext>
+    </p:extLst>
+  </p:cSld>
+  <p:clrMapOvr>
+    <a:masterClrMapping/>
+  </p:clrMapOvr>
+</p:sld>
+</file>
+
+<file path=ppt/slides/slide9.xml><?xml version="1.0" encoding="utf-8"?>
+<p:sld xmlns:a="http://schemas.openxmlformats.org/drawingml/2006/main" xmlns:r="http://schemas.openxmlformats.org/officeDocument/2006/relationships" xmlns:p="http://schemas.openxmlformats.org/presentationml/2006/main">
+  <p:cSld>
+    <p:spTree>
+      <p:nvGrpSpPr>
+        <p:cNvPr id="1" name="">
+          <a:extLst>
+            <a:ext uri="{FF2B5EF4-FFF2-40B4-BE49-F238E27FC236}">
+              <a16:creationId xmlns:a16="http://schemas.microsoft.com/office/drawing/2014/main" id="{577D7071-1799-705C-611F-6B96FAE31681}"/>
+            </a:ext>
+          </a:extLst>
+        </p:cNvPr>
+        <p:cNvGrpSpPr/>
+        <p:nvPr/>
+      </p:nvGrpSpPr>
+      <p:grpSpPr>
+        <a:xfrm>
+          <a:off x="0" y="0"/>
+          <a:ext cx="0" cy="0"/>
+          <a:chOff x="0" y="0"/>
+          <a:chExt cx="0" cy="0"/>
+        </a:xfrm>
+      </p:grpSpPr>
+      <p:sp>
+        <p:nvSpPr>
+          <p:cNvPr id="3" name="TextBox 2">
+            <a:extLst>
+              <a:ext uri="{FF2B5EF4-FFF2-40B4-BE49-F238E27FC236}">
+                <a16:creationId xmlns:a16="http://schemas.microsoft.com/office/drawing/2014/main" id="{0D385224-E4AB-E0B3-64E2-FB10AEC181A0}"/>
+              </a:ext>
+            </a:extLst>
+          </p:cNvPr>
+          <p:cNvSpPr txBox="1"/>
+          <p:nvPr/>
+        </p:nvSpPr>
+        <p:spPr>
+          <a:xfrm>
+            <a:off x="467557" y="174168"/>
+            <a:ext cx="11256885" cy="7478970"/>
+          </a:xfrm>
+          <a:prstGeom prst="rect">
+            <a:avLst/>
+          </a:prstGeom>
+          <a:noFill/>
+        </p:spPr>
+        <p:txBody>
+          <a:bodyPr wrap="square" rtlCol="0">
+            <a:spAutoFit/>
+          </a:bodyPr>
+          <a:lstStyle/>
+          <a:p>
+            <a:r>
+              <a:rPr lang="en-IN" sz="3200" dirty="0"/>
+              <a:t>Ex16: Display number of  orders per customer.</a:t>
+            </a:r>
+          </a:p>
+          <a:p>
+            <a:endParaRPr lang="en-IN" sz="3200" dirty="0"/>
+          </a:p>
+          <a:p>
+            <a:r>
+              <a:rPr lang="en-IN" sz="3200" dirty="0"/>
+              <a:t>Ex17. Display count of products category </a:t>
+            </a:r>
+          </a:p>
+          <a:p>
+            <a:r>
+              <a:rPr lang="en-IN" sz="3200" dirty="0"/>
+              <a:t>        wise per supplier</a:t>
+            </a:r>
+          </a:p>
+          <a:p>
+            <a:endParaRPr lang="en-IN" sz="3200" dirty="0"/>
+          </a:p>
+          <a:p>
+            <a:r>
+              <a:rPr lang="en-IN" sz="3200" dirty="0"/>
+              <a:t>Ex18: Region wise employee count</a:t>
+            </a:r>
+          </a:p>
+          <a:p>
+            <a:endParaRPr lang="en-IN" sz="3200" dirty="0"/>
+          </a:p>
+          <a:p>
+            <a:r>
+              <a:rPr lang="en-IN" sz="3200" dirty="0"/>
+              <a:t>Ex19: List of customers served by Eastern region employees</a:t>
+            </a:r>
+          </a:p>
+          <a:p>
+            <a:r>
+              <a:rPr lang="en-IN" sz="3200" dirty="0"/>
+              <a:t>Ex20 : List of first three customers along with order value who placed highest  orders (price)</a:t>
+            </a:r>
+          </a:p>
+          <a:p>
+            <a:r>
+              <a:rPr lang="en-IN" sz="3200" dirty="0"/>
+              <a:t>Ex21 : First four highest sold categories  (price)</a:t>
+            </a:r>
+          </a:p>
+          <a:p>
+            <a:r>
+              <a:rPr lang="en-IN" sz="3200" dirty="0"/>
+              <a:t>Ex22:  First four suppliers whose product sold maximum in terms of quantity </a:t>
+            </a:r>
+          </a:p>
+          <a:p>
+            <a:endParaRPr lang="en-IN" sz="3200" dirty="0"/>
+          </a:p>
+          <a:p>
+            <a:endParaRPr lang="en-IN" sz="3200" dirty="0"/>
+          </a:p>
+        </p:txBody>
+      </p:sp>
+    </p:spTree>
+    <p:extLst>
+      <p:ext uri="{BB962C8B-B14F-4D97-AF65-F5344CB8AC3E}">
+        <p14:creationId xmlns:p14="http://schemas.microsoft.com/office/powerpoint/2010/main" val="3175937862"/>
       </p:ext>
     </p:extLst>
   </p:cSld>
